--- a/draw.pptx
+++ b/draw.pptx
@@ -2635,7 +2635,10 @@
             <a:avLst/>
           </a:prstGeom>
           <a:solidFill>
-            <a:schemeClr val="bg2"/>
+            <a:schemeClr val="tx1">
+              <a:lumMod val="50000"/>
+              <a:lumOff val="50000"/>
+            </a:schemeClr>
           </a:solidFill>
           <a:ln>
             <a:noFill/>
